--- a/empty.pptx
+++ b/empty.pptx
@@ -6,6 +6,15 @@
   </p:sldMasterIdLst>
   <p:sldIdLst>
     <p:sldId id="256" r:id="rId2"/>
+    <p:sldId id="257" r:id="rId3"/>
+    <p:sldId id="258" r:id="rId4"/>
+    <p:sldId id="259" r:id="rId5"/>
+    <p:sldId id="260" r:id="rId6"/>
+    <p:sldId id="261" r:id="rId7"/>
+    <p:sldId id="262" r:id="rId8"/>
+    <p:sldId id="263" r:id="rId9"/>
+    <p:sldId id="264" r:id="rId10"/>
+    <p:sldId id="265" r:id="rId11"/>
   </p:sldIdLst>
   <p:sldSz cx="12192000" cy="6858000"/>
   <p:notesSz cx="6858000" cy="9144000"/>
@@ -104,6 +113,11 @@
       </a:defRPr>
     </a:lvl9pPr>
   </p:defaultTextStyle>
+  <p:extLst>
+    <p:ext uri="{EFAFB233-063F-42B5-8137-9DF3F51BA10A}">
+      <p15:sldGuideLst xmlns:p15="http://schemas.microsoft.com/office/powerpoint/2012/main"/>
+    </p:ext>
+  </p:extLst>
 </p:presentation>
 </file>
 
@@ -238,7 +252,7 @@
           <a:p>
             <a:fld id="{B84774A3-F89E-4C37-9C9C-704AB0733E1F}" type="datetimeFigureOut">
               <a:rPr lang="ru-RU" smtClean="0"/>
-              <a:t>19.03.2025</a:t>
+              <a:t>16.04.2025</a:t>
             </a:fld>
             <a:endParaRPr lang="ru-RU"/>
           </a:p>
@@ -408,7 +422,7 @@
           <a:p>
             <a:fld id="{B84774A3-F89E-4C37-9C9C-704AB0733E1F}" type="datetimeFigureOut">
               <a:rPr lang="ru-RU" smtClean="0"/>
-              <a:t>19.03.2025</a:t>
+              <a:t>16.04.2025</a:t>
             </a:fld>
             <a:endParaRPr lang="ru-RU"/>
           </a:p>
@@ -588,7 +602,7 @@
           <a:p>
             <a:fld id="{B84774A3-F89E-4C37-9C9C-704AB0733E1F}" type="datetimeFigureOut">
               <a:rPr lang="ru-RU" smtClean="0"/>
-              <a:t>19.03.2025</a:t>
+              <a:t>16.04.2025</a:t>
             </a:fld>
             <a:endParaRPr lang="ru-RU"/>
           </a:p>
@@ -758,7 +772,7 @@
           <a:p>
             <a:fld id="{B84774A3-F89E-4C37-9C9C-704AB0733E1F}" type="datetimeFigureOut">
               <a:rPr lang="ru-RU" smtClean="0"/>
-              <a:t>19.03.2025</a:t>
+              <a:t>16.04.2025</a:t>
             </a:fld>
             <a:endParaRPr lang="ru-RU"/>
           </a:p>
@@ -1004,7 +1018,7 @@
           <a:p>
             <a:fld id="{B84774A3-F89E-4C37-9C9C-704AB0733E1F}" type="datetimeFigureOut">
               <a:rPr lang="ru-RU" smtClean="0"/>
-              <a:t>19.03.2025</a:t>
+              <a:t>16.04.2025</a:t>
             </a:fld>
             <a:endParaRPr lang="ru-RU"/>
           </a:p>
@@ -1236,7 +1250,7 @@
           <a:p>
             <a:fld id="{B84774A3-F89E-4C37-9C9C-704AB0733E1F}" type="datetimeFigureOut">
               <a:rPr lang="ru-RU" smtClean="0"/>
-              <a:t>19.03.2025</a:t>
+              <a:t>16.04.2025</a:t>
             </a:fld>
             <a:endParaRPr lang="ru-RU"/>
           </a:p>
@@ -1603,7 +1617,7 @@
           <a:p>
             <a:fld id="{B84774A3-F89E-4C37-9C9C-704AB0733E1F}" type="datetimeFigureOut">
               <a:rPr lang="ru-RU" smtClean="0"/>
-              <a:t>19.03.2025</a:t>
+              <a:t>16.04.2025</a:t>
             </a:fld>
             <a:endParaRPr lang="ru-RU"/>
           </a:p>
@@ -1721,7 +1735,7 @@
           <a:p>
             <a:fld id="{B84774A3-F89E-4C37-9C9C-704AB0733E1F}" type="datetimeFigureOut">
               <a:rPr lang="ru-RU" smtClean="0"/>
-              <a:t>19.03.2025</a:t>
+              <a:t>16.04.2025</a:t>
             </a:fld>
             <a:endParaRPr lang="ru-RU"/>
           </a:p>
@@ -1816,7 +1830,7 @@
           <a:p>
             <a:fld id="{B84774A3-F89E-4C37-9C9C-704AB0733E1F}" type="datetimeFigureOut">
               <a:rPr lang="ru-RU" smtClean="0"/>
-              <a:t>19.03.2025</a:t>
+              <a:t>16.04.2025</a:t>
             </a:fld>
             <a:endParaRPr lang="ru-RU"/>
           </a:p>
@@ -2093,7 +2107,7 @@
           <a:p>
             <a:fld id="{B84774A3-F89E-4C37-9C9C-704AB0733E1F}" type="datetimeFigureOut">
               <a:rPr lang="ru-RU" smtClean="0"/>
-              <a:t>19.03.2025</a:t>
+              <a:t>16.04.2025</a:t>
             </a:fld>
             <a:endParaRPr lang="ru-RU"/>
           </a:p>
@@ -2346,7 +2360,7 @@
           <a:p>
             <a:fld id="{B84774A3-F89E-4C37-9C9C-704AB0733E1F}" type="datetimeFigureOut">
               <a:rPr lang="ru-RU" smtClean="0"/>
-              <a:t>19.03.2025</a:t>
+              <a:t>16.04.2025</a:t>
             </a:fld>
             <a:endParaRPr lang="ru-RU"/>
           </a:p>
@@ -2559,7 +2573,7 @@
           <a:p>
             <a:fld id="{B84774A3-F89E-4C37-9C9C-704AB0733E1F}" type="datetimeFigureOut">
               <a:rPr lang="ru-RU" smtClean="0"/>
-              <a:t>19.03.2025</a:t>
+              <a:t>16.04.2025</a:t>
             </a:fld>
             <a:endParaRPr lang="ru-RU"/>
           </a:p>
@@ -2977,6 +2991,276 @@
 </p:sld>
 </file>
 
+<file path=ppt/slides/slide10.xml><?xml version="1.0" encoding="utf-8"?>
+<p:sld xmlns:a="http://schemas.openxmlformats.org/drawingml/2006/main" xmlns:r="http://schemas.openxmlformats.org/officeDocument/2006/relationships" xmlns:p="http://schemas.openxmlformats.org/presentationml/2006/main">
+  <p:cSld>
+    <p:spTree>
+      <p:nvGrpSpPr>
+        <p:cNvPr id="1" name=""/>
+        <p:cNvGrpSpPr/>
+        <p:nvPr/>
+      </p:nvGrpSpPr>
+      <p:grpSpPr>
+        <a:xfrm>
+          <a:off x="0" y="0"/>
+          <a:ext cx="0" cy="0"/>
+          <a:chOff x="0" y="0"/>
+          <a:chExt cx="0" cy="0"/>
+        </a:xfrm>
+      </p:grpSpPr>
+    </p:spTree>
+    <p:extLst>
+      <p:ext uri="{BB962C8B-B14F-4D97-AF65-F5344CB8AC3E}">
+        <p14:creationId xmlns:p14="http://schemas.microsoft.com/office/powerpoint/2010/main" val="3666555843"/>
+      </p:ext>
+    </p:extLst>
+  </p:cSld>
+  <p:clrMapOvr>
+    <a:masterClrMapping/>
+  </p:clrMapOvr>
+</p:sld>
+</file>
+
+<file path=ppt/slides/slide2.xml><?xml version="1.0" encoding="utf-8"?>
+<p:sld xmlns:a="http://schemas.openxmlformats.org/drawingml/2006/main" xmlns:r="http://schemas.openxmlformats.org/officeDocument/2006/relationships" xmlns:p="http://schemas.openxmlformats.org/presentationml/2006/main">
+  <p:cSld>
+    <p:spTree>
+      <p:nvGrpSpPr>
+        <p:cNvPr id="1" name=""/>
+        <p:cNvGrpSpPr/>
+        <p:nvPr/>
+      </p:nvGrpSpPr>
+      <p:grpSpPr>
+        <a:xfrm>
+          <a:off x="0" y="0"/>
+          <a:ext cx="0" cy="0"/>
+          <a:chOff x="0" y="0"/>
+          <a:chExt cx="0" cy="0"/>
+        </a:xfrm>
+      </p:grpSpPr>
+    </p:spTree>
+    <p:extLst>
+      <p:ext uri="{BB962C8B-B14F-4D97-AF65-F5344CB8AC3E}">
+        <p14:creationId xmlns:p14="http://schemas.microsoft.com/office/powerpoint/2010/main" val="3158598052"/>
+      </p:ext>
+    </p:extLst>
+  </p:cSld>
+  <p:clrMapOvr>
+    <a:masterClrMapping/>
+  </p:clrMapOvr>
+</p:sld>
+</file>
+
+<file path=ppt/slides/slide3.xml><?xml version="1.0" encoding="utf-8"?>
+<p:sld xmlns:a="http://schemas.openxmlformats.org/drawingml/2006/main" xmlns:r="http://schemas.openxmlformats.org/officeDocument/2006/relationships" xmlns:p="http://schemas.openxmlformats.org/presentationml/2006/main">
+  <p:cSld>
+    <p:spTree>
+      <p:nvGrpSpPr>
+        <p:cNvPr id="1" name=""/>
+        <p:cNvGrpSpPr/>
+        <p:nvPr/>
+      </p:nvGrpSpPr>
+      <p:grpSpPr>
+        <a:xfrm>
+          <a:off x="0" y="0"/>
+          <a:ext cx="0" cy="0"/>
+          <a:chOff x="0" y="0"/>
+          <a:chExt cx="0" cy="0"/>
+        </a:xfrm>
+      </p:grpSpPr>
+    </p:spTree>
+    <p:extLst>
+      <p:ext uri="{BB962C8B-B14F-4D97-AF65-F5344CB8AC3E}">
+        <p14:creationId xmlns:p14="http://schemas.microsoft.com/office/powerpoint/2010/main" val="844204438"/>
+      </p:ext>
+    </p:extLst>
+  </p:cSld>
+  <p:clrMapOvr>
+    <a:masterClrMapping/>
+  </p:clrMapOvr>
+</p:sld>
+</file>
+
+<file path=ppt/slides/slide4.xml><?xml version="1.0" encoding="utf-8"?>
+<p:sld xmlns:a="http://schemas.openxmlformats.org/drawingml/2006/main" xmlns:r="http://schemas.openxmlformats.org/officeDocument/2006/relationships" xmlns:p="http://schemas.openxmlformats.org/presentationml/2006/main">
+  <p:cSld>
+    <p:spTree>
+      <p:nvGrpSpPr>
+        <p:cNvPr id="1" name=""/>
+        <p:cNvGrpSpPr/>
+        <p:nvPr/>
+      </p:nvGrpSpPr>
+      <p:grpSpPr>
+        <a:xfrm>
+          <a:off x="0" y="0"/>
+          <a:ext cx="0" cy="0"/>
+          <a:chOff x="0" y="0"/>
+          <a:chExt cx="0" cy="0"/>
+        </a:xfrm>
+      </p:grpSpPr>
+    </p:spTree>
+    <p:extLst>
+      <p:ext uri="{BB962C8B-B14F-4D97-AF65-F5344CB8AC3E}">
+        <p14:creationId xmlns:p14="http://schemas.microsoft.com/office/powerpoint/2010/main" val="3860706294"/>
+      </p:ext>
+    </p:extLst>
+  </p:cSld>
+  <p:clrMapOvr>
+    <a:masterClrMapping/>
+  </p:clrMapOvr>
+</p:sld>
+</file>
+
+<file path=ppt/slides/slide5.xml><?xml version="1.0" encoding="utf-8"?>
+<p:sld xmlns:a="http://schemas.openxmlformats.org/drawingml/2006/main" xmlns:r="http://schemas.openxmlformats.org/officeDocument/2006/relationships" xmlns:p="http://schemas.openxmlformats.org/presentationml/2006/main">
+  <p:cSld>
+    <p:spTree>
+      <p:nvGrpSpPr>
+        <p:cNvPr id="1" name=""/>
+        <p:cNvGrpSpPr/>
+        <p:nvPr/>
+      </p:nvGrpSpPr>
+      <p:grpSpPr>
+        <a:xfrm>
+          <a:off x="0" y="0"/>
+          <a:ext cx="0" cy="0"/>
+          <a:chOff x="0" y="0"/>
+          <a:chExt cx="0" cy="0"/>
+        </a:xfrm>
+      </p:grpSpPr>
+    </p:spTree>
+    <p:extLst>
+      <p:ext uri="{BB962C8B-B14F-4D97-AF65-F5344CB8AC3E}">
+        <p14:creationId xmlns:p14="http://schemas.microsoft.com/office/powerpoint/2010/main" val="658792839"/>
+      </p:ext>
+    </p:extLst>
+  </p:cSld>
+  <p:clrMapOvr>
+    <a:masterClrMapping/>
+  </p:clrMapOvr>
+</p:sld>
+</file>
+
+<file path=ppt/slides/slide6.xml><?xml version="1.0" encoding="utf-8"?>
+<p:sld xmlns:a="http://schemas.openxmlformats.org/drawingml/2006/main" xmlns:r="http://schemas.openxmlformats.org/officeDocument/2006/relationships" xmlns:p="http://schemas.openxmlformats.org/presentationml/2006/main">
+  <p:cSld>
+    <p:spTree>
+      <p:nvGrpSpPr>
+        <p:cNvPr id="1" name=""/>
+        <p:cNvGrpSpPr/>
+        <p:nvPr/>
+      </p:nvGrpSpPr>
+      <p:grpSpPr>
+        <a:xfrm>
+          <a:off x="0" y="0"/>
+          <a:ext cx="0" cy="0"/>
+          <a:chOff x="0" y="0"/>
+          <a:chExt cx="0" cy="0"/>
+        </a:xfrm>
+      </p:grpSpPr>
+    </p:spTree>
+    <p:extLst>
+      <p:ext uri="{BB962C8B-B14F-4D97-AF65-F5344CB8AC3E}">
+        <p14:creationId xmlns:p14="http://schemas.microsoft.com/office/powerpoint/2010/main" val="1209073116"/>
+      </p:ext>
+    </p:extLst>
+  </p:cSld>
+  <p:clrMapOvr>
+    <a:masterClrMapping/>
+  </p:clrMapOvr>
+</p:sld>
+</file>
+
+<file path=ppt/slides/slide7.xml><?xml version="1.0" encoding="utf-8"?>
+<p:sld xmlns:a="http://schemas.openxmlformats.org/drawingml/2006/main" xmlns:r="http://schemas.openxmlformats.org/officeDocument/2006/relationships" xmlns:p="http://schemas.openxmlformats.org/presentationml/2006/main">
+  <p:cSld>
+    <p:spTree>
+      <p:nvGrpSpPr>
+        <p:cNvPr id="1" name=""/>
+        <p:cNvGrpSpPr/>
+        <p:nvPr/>
+      </p:nvGrpSpPr>
+      <p:grpSpPr>
+        <a:xfrm>
+          <a:off x="0" y="0"/>
+          <a:ext cx="0" cy="0"/>
+          <a:chOff x="0" y="0"/>
+          <a:chExt cx="0" cy="0"/>
+        </a:xfrm>
+      </p:grpSpPr>
+    </p:spTree>
+    <p:extLst>
+      <p:ext uri="{BB962C8B-B14F-4D97-AF65-F5344CB8AC3E}">
+        <p14:creationId xmlns:p14="http://schemas.microsoft.com/office/powerpoint/2010/main" val="3404502129"/>
+      </p:ext>
+    </p:extLst>
+  </p:cSld>
+  <p:clrMapOvr>
+    <a:masterClrMapping/>
+  </p:clrMapOvr>
+</p:sld>
+</file>
+
+<file path=ppt/slides/slide8.xml><?xml version="1.0" encoding="utf-8"?>
+<p:sld xmlns:a="http://schemas.openxmlformats.org/drawingml/2006/main" xmlns:r="http://schemas.openxmlformats.org/officeDocument/2006/relationships" xmlns:p="http://schemas.openxmlformats.org/presentationml/2006/main">
+  <p:cSld>
+    <p:spTree>
+      <p:nvGrpSpPr>
+        <p:cNvPr id="1" name=""/>
+        <p:cNvGrpSpPr/>
+        <p:nvPr/>
+      </p:nvGrpSpPr>
+      <p:grpSpPr>
+        <a:xfrm>
+          <a:off x="0" y="0"/>
+          <a:ext cx="0" cy="0"/>
+          <a:chOff x="0" y="0"/>
+          <a:chExt cx="0" cy="0"/>
+        </a:xfrm>
+      </p:grpSpPr>
+    </p:spTree>
+    <p:extLst>
+      <p:ext uri="{BB962C8B-B14F-4D97-AF65-F5344CB8AC3E}">
+        <p14:creationId xmlns:p14="http://schemas.microsoft.com/office/powerpoint/2010/main" val="3471118123"/>
+      </p:ext>
+    </p:extLst>
+  </p:cSld>
+  <p:clrMapOvr>
+    <a:masterClrMapping/>
+  </p:clrMapOvr>
+</p:sld>
+</file>
+
+<file path=ppt/slides/slide9.xml><?xml version="1.0" encoding="utf-8"?>
+<p:sld xmlns:a="http://schemas.openxmlformats.org/drawingml/2006/main" xmlns:r="http://schemas.openxmlformats.org/officeDocument/2006/relationships" xmlns:p="http://schemas.openxmlformats.org/presentationml/2006/main">
+  <p:cSld>
+    <p:spTree>
+      <p:nvGrpSpPr>
+        <p:cNvPr id="1" name=""/>
+        <p:cNvGrpSpPr/>
+        <p:nvPr/>
+      </p:nvGrpSpPr>
+      <p:grpSpPr>
+        <a:xfrm>
+          <a:off x="0" y="0"/>
+          <a:ext cx="0" cy="0"/>
+          <a:chOff x="0" y="0"/>
+          <a:chExt cx="0" cy="0"/>
+        </a:xfrm>
+      </p:grpSpPr>
+    </p:spTree>
+    <p:extLst>
+      <p:ext uri="{BB962C8B-B14F-4D97-AF65-F5344CB8AC3E}">
+        <p14:creationId xmlns:p14="http://schemas.microsoft.com/office/powerpoint/2010/main" val="2053238581"/>
+      </p:ext>
+    </p:extLst>
+  </p:cSld>
+  <p:clrMapOvr>
+    <a:masterClrMapping/>
+  </p:clrMapOvr>
+</p:sld>
+</file>
+
 <file path=ppt/theme/theme1.xml><?xml version="1.0" encoding="utf-8"?>
 <a:theme xmlns:a="http://schemas.openxmlformats.org/drawingml/2006/main" name="Тема Office">
   <a:themeElements>
